--- a/cvm/mxnet/fig.pptx
+++ b/cvm/mxnet/fig.pptx
@@ -7967,11 +7967,11 @@
           </a:lstStyle>
           <a:p>
             <a:r>
-              <a:rPr dirty="0"/>
+              <a:rPr sz="1800" dirty="0"/>
               <a:t>x</a:t>
             </a:r>
             <a:r>
-              <a:rPr baseline="30000" dirty="0"/>
+              <a:rPr sz="1800" baseline="30000" dirty="0"/>
               <a:t>Q</a:t>
             </a:r>
           </a:p>
@@ -8030,7 +8030,7 @@
           </a:lstStyle>
           <a:p>
             <a:r>
-              <a:rPr dirty="0"/>
+              <a:rPr sz="1800" dirty="0"/>
               <a:t>Dense</a:t>
             </a:r>
           </a:p>
@@ -8073,7 +8073,7 @@
                 <a:sym typeface="Helvetica Neue Medium"/>
               </a:defRPr>
             </a:pPr>
-            <a:endParaRPr dirty="0"/>
+            <a:endParaRPr sz="1800" dirty="0"/>
           </a:p>
         </p:txBody>
       </p:sp>
@@ -8130,7 +8130,7 @@
           </a:lstStyle>
           <a:p>
             <a:r>
-              <a:rPr dirty="0"/>
+              <a:rPr sz="1800" dirty="0"/>
               <a:t>W</a:t>
             </a:r>
           </a:p>
@@ -8189,7 +8189,7 @@
           </a:lstStyle>
           <a:p>
             <a:r>
-              <a:rPr dirty="0"/>
+              <a:rPr sz="1800" dirty="0"/>
               <a:t>Relu</a:t>
             </a:r>
           </a:p>
@@ -8248,7 +8248,7 @@
           </a:lstStyle>
           <a:p>
             <a:r>
-              <a:rPr dirty="0"/>
+              <a:rPr sz="1800" dirty="0"/>
               <a:t>z</a:t>
             </a:r>
           </a:p>
@@ -8307,7 +8307,7 @@
           </a:lstStyle>
           <a:p>
             <a:r>
-              <a:rPr dirty="0"/>
+              <a:rPr sz="1800" dirty="0"/>
               <a:t>x</a:t>
             </a:r>
           </a:p>
@@ -8350,7 +8350,7 @@
                 <a:sym typeface="Helvetica Neue Medium"/>
               </a:defRPr>
             </a:pPr>
-            <a:endParaRPr dirty="0"/>
+            <a:endParaRPr sz="1800" dirty="0"/>
           </a:p>
         </p:txBody>
       </p:sp>
@@ -8407,11 +8407,11 @@
           </a:lstStyle>
           <a:p>
             <a:r>
-              <a:rPr dirty="0"/>
+              <a:rPr sz="1800" dirty="0"/>
               <a:t>s</a:t>
             </a:r>
             <a:r>
-              <a:rPr baseline="-25000" dirty="0"/>
+              <a:rPr sz="1800" baseline="-25000" dirty="0"/>
               <a:t>x</a:t>
             </a:r>
           </a:p>
@@ -8454,7 +8454,7 @@
                 <a:sym typeface="Helvetica Neue Medium"/>
               </a:defRPr>
             </a:pPr>
-            <a:endParaRPr dirty="0"/>
+            <a:endParaRPr sz="1800" dirty="0"/>
           </a:p>
         </p:txBody>
       </p:sp>
@@ -8511,11 +8511,11 @@
           </a:lstStyle>
           <a:p>
             <a:r>
-              <a:rPr dirty="0"/>
+              <a:rPr sz="1800" dirty="0"/>
               <a:t>W</a:t>
             </a:r>
             <a:r>
-              <a:rPr baseline="30000" dirty="0"/>
+              <a:rPr sz="1800" baseline="30000" dirty="0"/>
               <a:t>Q</a:t>
             </a:r>
           </a:p>
@@ -8574,11 +8574,11 @@
           </a:lstStyle>
           <a:p>
             <a:r>
-              <a:rPr dirty="0"/>
+              <a:rPr sz="1800" dirty="0"/>
               <a:t>s</a:t>
             </a:r>
             <a:r>
-              <a:rPr baseline="-25000" dirty="0"/>
+              <a:rPr sz="1800" baseline="-25000" dirty="0"/>
               <a:t>w</a:t>
             </a:r>
           </a:p>
@@ -8621,7 +8621,7 @@
                 <a:sym typeface="Helvetica Neue Medium"/>
               </a:defRPr>
             </a:pPr>
-            <a:endParaRPr dirty="0"/>
+            <a:endParaRPr sz="1800" dirty="0"/>
           </a:p>
         </p:txBody>
       </p:sp>
@@ -8678,15 +8678,15 @@
           </a:lstStyle>
           <a:p>
             <a:r>
-              <a:rPr dirty="0"/>
+              <a:rPr sz="1800" dirty="0"/>
               <a:t>y</a:t>
             </a:r>
             <a:r>
-              <a:rPr baseline="30000" dirty="0"/>
+              <a:rPr sz="1800" baseline="30000" dirty="0"/>
               <a:t>Q</a:t>
             </a:r>
             <a:r>
-              <a:rPr sz="1200" baseline="30000" dirty="0"/>
+              <a:rPr sz="1400" baseline="30000" dirty="0"/>
               <a:t>int32</a:t>
             </a:r>
           </a:p>
@@ -8745,11 +8745,11 @@
           </a:lstStyle>
           <a:p>
             <a:r>
-              <a:rPr dirty="0"/>
+              <a:rPr sz="1800" dirty="0"/>
               <a:t>y</a:t>
             </a:r>
             <a:r>
-              <a:rPr baseline="-25000" dirty="0"/>
+              <a:rPr sz="1800" baseline="-25000" dirty="0"/>
               <a:t>dequant</a:t>
             </a:r>
           </a:p>
@@ -8808,11 +8808,11 @@
           </a:lstStyle>
           <a:p>
             <a:r>
-              <a:rPr dirty="0"/>
+              <a:rPr sz="1800" dirty="0"/>
               <a:t>z</a:t>
             </a:r>
             <a:r>
-              <a:rPr baseline="30000" dirty="0"/>
+              <a:rPr sz="1800" baseline="30000" dirty="0"/>
               <a:t>Q</a:t>
             </a:r>
           </a:p>
@@ -8871,11 +8871,11 @@
           </a:lstStyle>
           <a:p>
             <a:r>
-              <a:rPr dirty="0"/>
+              <a:rPr sz="1800" dirty="0"/>
               <a:t>s</a:t>
             </a:r>
             <a:r>
-              <a:rPr baseline="-25000" dirty="0"/>
+              <a:rPr sz="1800" baseline="-25000" dirty="0"/>
               <a:t>z</a:t>
             </a:r>
           </a:p>
@@ -8934,7 +8934,7 @@
           </a:lstStyle>
           <a:p>
             <a:r>
-              <a:rPr dirty="0"/>
+              <a:rPr sz="1800" dirty="0"/>
               <a:t>Dense</a:t>
             </a:r>
           </a:p>
@@ -8993,11 +8993,11 @@
           </a:lstStyle>
           <a:p>
             <a:r>
-              <a:rPr dirty="0"/>
+              <a:rPr sz="1800" dirty="0"/>
               <a:t>p</a:t>
             </a:r>
             <a:r>
-              <a:rPr baseline="30000" dirty="0"/>
+              <a:rPr sz="1800" baseline="30000" dirty="0"/>
               <a:t>Q</a:t>
             </a:r>
           </a:p>
@@ -9056,11 +9056,11 @@
           </a:lstStyle>
           <a:p>
             <a:r>
-              <a:rPr dirty="0"/>
+              <a:rPr sz="1800" dirty="0"/>
               <a:t>s</a:t>
             </a:r>
             <a:r>
-              <a:rPr baseline="-25000" dirty="0"/>
+              <a:rPr sz="1800" baseline="-25000" dirty="0"/>
               <a:t>p</a:t>
             </a:r>
           </a:p>
@@ -9119,15 +9119,15 @@
           </a:lstStyle>
           <a:p>
             <a:r>
-              <a:rPr lang="en-US" dirty="0"/>
+              <a:rPr lang="en-US" sz="1800" dirty="0"/>
               <a:t>q</a:t>
             </a:r>
             <a:r>
-              <a:rPr lang="en-US" baseline="30000" dirty="0"/>
+              <a:rPr lang="en-US" sz="1800" baseline="30000" dirty="0"/>
               <a:t>Q</a:t>
             </a:r>
             <a:r>
-              <a:rPr lang="en-US" sz="1200" baseline="30000" dirty="0"/>
+              <a:rPr lang="en-US" sz="1400" baseline="30000" dirty="0"/>
               <a:t>int32</a:t>
             </a:r>
           </a:p>
@@ -9186,11 +9186,11 @@
           </a:lstStyle>
           <a:p>
             <a:r>
-              <a:rPr dirty="0"/>
+              <a:rPr sz="1800" dirty="0"/>
               <a:t>q</a:t>
             </a:r>
             <a:r>
-              <a:rPr baseline="-25000" dirty="0"/>
+              <a:rPr sz="1800" baseline="-25000" dirty="0"/>
               <a:t>dequant</a:t>
             </a:r>
           </a:p>
@@ -9249,14 +9249,14 @@
           </a:lstStyle>
           <a:p>
             <a:r>
-              <a:rPr dirty="0"/>
+              <a:rPr sz="1800" dirty="0"/>
               <a:t>q</a:t>
             </a:r>
             <a:r>
-              <a:rPr lang="en-US" baseline="30000" dirty="0"/>
+              <a:rPr lang="en-US" sz="1800" baseline="30000" dirty="0"/>
               <a:t>Q</a:t>
             </a:r>
-            <a:endParaRPr baseline="30000" dirty="0"/>
+            <a:endParaRPr sz="1800" baseline="30000" dirty="0"/>
           </a:p>
         </p:txBody>
       </p:sp>
@@ -9318,7 +9318,7 @@
           <a:bodyPr/>
           <a:lstStyle/>
           <a:p>
-            <a:endParaRPr dirty="0"/>
+            <a:endParaRPr sz="1800" dirty="0"/>
           </a:p>
         </p:txBody>
       </p:sp>
@@ -9375,7 +9375,7 @@
           </a:lstStyle>
           <a:p>
             <a:r>
-              <a:rPr dirty="0"/>
+              <a:rPr sz="1800" dirty="0"/>
               <a:t>U</a:t>
             </a:r>
           </a:p>
@@ -9434,11 +9434,11 @@
           </a:lstStyle>
           <a:p>
             <a:r>
-              <a:rPr dirty="0"/>
+              <a:rPr sz="1800" dirty="0"/>
               <a:t>U</a:t>
             </a:r>
             <a:r>
-              <a:rPr baseline="30000" dirty="0"/>
+              <a:rPr sz="1800" baseline="30000" dirty="0"/>
               <a:t>Q</a:t>
             </a:r>
           </a:p>
@@ -9497,11 +9497,11 @@
           </a:lstStyle>
           <a:p>
             <a:r>
-              <a:rPr dirty="0"/>
+              <a:rPr sz="1800" dirty="0"/>
               <a:t>s</a:t>
             </a:r>
             <a:r>
-              <a:rPr baseline="-25000" dirty="0"/>
+              <a:rPr sz="1800" baseline="-25000" dirty="0"/>
               <a:t>u</a:t>
             </a:r>
           </a:p>
@@ -9544,7 +9544,7 @@
                 <a:sym typeface="Helvetica Neue Medium"/>
               </a:defRPr>
             </a:pPr>
-            <a:endParaRPr dirty="0"/>
+            <a:endParaRPr sz="1800" dirty="0"/>
           </a:p>
         </p:txBody>
       </p:sp>
@@ -9601,7 +9601,7 @@
           </a:lstStyle>
           <a:p>
             <a:r>
-              <a:rPr dirty="0"/>
+              <a:rPr sz="1800" dirty="0"/>
               <a:t>Add</a:t>
             </a:r>
           </a:p>
@@ -9660,15 +9660,15 @@
           </a:lstStyle>
           <a:p>
             <a:r>
-              <a:rPr lang="en-US" dirty="0"/>
+              <a:rPr lang="en-US" sz="1800" dirty="0"/>
               <a:t>o</a:t>
             </a:r>
             <a:r>
-              <a:rPr lang="en-US" baseline="30000" dirty="0"/>
+              <a:rPr lang="en-US" sz="1800" baseline="30000" dirty="0"/>
               <a:t>Q</a:t>
             </a:r>
             <a:r>
-              <a:rPr lang="en-US" sz="1200" baseline="30000" dirty="0"/>
+              <a:rPr lang="en-US" sz="1400" baseline="30000" dirty="0"/>
               <a:t>int32</a:t>
             </a:r>
           </a:p>
@@ -9727,11 +9727,11 @@
           </a:lstStyle>
           <a:p>
             <a:r>
-              <a:rPr dirty="0"/>
+              <a:rPr sz="1800" dirty="0"/>
               <a:t>s</a:t>
             </a:r>
             <a:r>
-              <a:rPr baseline="-25000" dirty="0"/>
+              <a:rPr sz="1800" baseline="-25000" dirty="0"/>
               <a:t>q</a:t>
             </a:r>
           </a:p>
@@ -9774,7 +9774,7 @@
                 <a:sym typeface="Helvetica Neue Medium"/>
               </a:defRPr>
             </a:pPr>
-            <a:endParaRPr dirty="0"/>
+            <a:endParaRPr sz="1800" dirty="0"/>
           </a:p>
         </p:txBody>
       </p:sp>
@@ -9815,7 +9815,7 @@
                 <a:sym typeface="Helvetica Neue Medium"/>
               </a:defRPr>
             </a:pPr>
-            <a:endParaRPr dirty="0"/>
+            <a:endParaRPr sz="1800" dirty="0"/>
           </a:p>
         </p:txBody>
       </p:sp>
@@ -9856,7 +9856,7 @@
                 <a:sym typeface="Helvetica Neue Medium"/>
               </a:defRPr>
             </a:pPr>
-            <a:endParaRPr dirty="0"/>
+            <a:endParaRPr sz="1800" dirty="0"/>
           </a:p>
         </p:txBody>
       </p:sp>
@@ -9897,7 +9897,7 @@
                 <a:sym typeface="Helvetica Neue Medium"/>
               </a:defRPr>
             </a:pPr>
-            <a:endParaRPr dirty="0"/>
+            <a:endParaRPr sz="1800" dirty="0"/>
           </a:p>
         </p:txBody>
       </p:sp>
@@ -9938,7 +9938,7 @@
                 <a:sym typeface="Helvetica Neue Medium"/>
               </a:defRPr>
             </a:pPr>
-            <a:endParaRPr dirty="0"/>
+            <a:endParaRPr sz="1800" dirty="0"/>
           </a:p>
         </p:txBody>
       </p:sp>
@@ -9979,7 +9979,7 @@
                 <a:sym typeface="Helvetica Neue Medium"/>
               </a:defRPr>
             </a:pPr>
-            <a:endParaRPr dirty="0"/>
+            <a:endParaRPr sz="1800" dirty="0"/>
           </a:p>
         </p:txBody>
       </p:sp>
@@ -10020,7 +10020,7 @@
                 <a:sym typeface="Helvetica Neue Medium"/>
               </a:defRPr>
             </a:pPr>
-            <a:endParaRPr dirty="0"/>
+            <a:endParaRPr sz="1800" dirty="0"/>
           </a:p>
         </p:txBody>
       </p:sp>
@@ -10061,7 +10061,7 @@
                 <a:sym typeface="Helvetica Neue Medium"/>
               </a:defRPr>
             </a:pPr>
-            <a:endParaRPr dirty="0"/>
+            <a:endParaRPr sz="1800" dirty="0"/>
           </a:p>
         </p:txBody>
       </p:sp>
@@ -10102,7 +10102,7 @@
                 <a:sym typeface="Helvetica Neue Medium"/>
               </a:defRPr>
             </a:pPr>
-            <a:endParaRPr dirty="0"/>
+            <a:endParaRPr sz="1800" dirty="0"/>
           </a:p>
         </p:txBody>
       </p:sp>
@@ -10143,7 +10143,7 @@
                 <a:sym typeface="Helvetica Neue Medium"/>
               </a:defRPr>
             </a:pPr>
-            <a:endParaRPr dirty="0"/>
+            <a:endParaRPr sz="1800" dirty="0"/>
           </a:p>
         </p:txBody>
       </p:sp>
@@ -10184,7 +10184,7 @@
                 <a:sym typeface="Helvetica Neue Medium"/>
               </a:defRPr>
             </a:pPr>
-            <a:endParaRPr dirty="0"/>
+            <a:endParaRPr sz="1800" dirty="0"/>
           </a:p>
         </p:txBody>
       </p:sp>
@@ -10225,7 +10225,7 @@
                 <a:sym typeface="Helvetica Neue Medium"/>
               </a:defRPr>
             </a:pPr>
-            <a:endParaRPr dirty="0"/>
+            <a:endParaRPr sz="1800" dirty="0"/>
           </a:p>
         </p:txBody>
       </p:sp>
@@ -10266,7 +10266,7 @@
                 <a:sym typeface="Helvetica Neue Medium"/>
               </a:defRPr>
             </a:pPr>
-            <a:endParaRPr dirty="0"/>
+            <a:endParaRPr sz="1800" dirty="0"/>
           </a:p>
         </p:txBody>
       </p:sp>
@@ -10307,7 +10307,7 @@
                 <a:sym typeface="Helvetica Neue Medium"/>
               </a:defRPr>
             </a:pPr>
-            <a:endParaRPr dirty="0"/>
+            <a:endParaRPr sz="1800" dirty="0"/>
           </a:p>
         </p:txBody>
       </p:sp>
@@ -10348,7 +10348,7 @@
                 <a:sym typeface="Helvetica Neue Medium"/>
               </a:defRPr>
             </a:pPr>
-            <a:endParaRPr dirty="0"/>
+            <a:endParaRPr sz="1800" dirty="0"/>
           </a:p>
         </p:txBody>
       </p:sp>
@@ -10389,7 +10389,7 @@
                 <a:sym typeface="Helvetica Neue Medium"/>
               </a:defRPr>
             </a:pPr>
-            <a:endParaRPr dirty="0"/>
+            <a:endParaRPr sz="1800" dirty="0"/>
           </a:p>
         </p:txBody>
       </p:sp>
@@ -10401,7 +10401,7 @@
         </p:nvSpPr>
         <p:spPr>
           <a:xfrm flipH="1">
-            <a:off x="10949244" y="3846499"/>
+            <a:off x="10960819" y="3823349"/>
             <a:ext cx="1205833" cy="456692"/>
           </a:xfrm>
           <a:prstGeom prst="line">
@@ -10430,7 +10430,7 @@
                 <a:sym typeface="Helvetica Neue Medium"/>
               </a:defRPr>
             </a:pPr>
-            <a:endParaRPr dirty="0"/>
+            <a:endParaRPr sz="1800" dirty="0"/>
           </a:p>
         </p:txBody>
       </p:sp>
@@ -10442,7 +10442,7 @@
         </p:nvSpPr>
         <p:spPr>
           <a:xfrm flipH="1">
-            <a:off x="10950367" y="4529441"/>
+            <a:off x="10961942" y="4529441"/>
             <a:ext cx="1181313" cy="1"/>
           </a:xfrm>
           <a:prstGeom prst="line">
@@ -10471,7 +10471,7 @@
                 <a:sym typeface="Helvetica Neue Medium"/>
               </a:defRPr>
             </a:pPr>
-            <a:endParaRPr dirty="0"/>
+            <a:endParaRPr sz="1800" dirty="0"/>
           </a:p>
         </p:txBody>
       </p:sp>
@@ -10533,7 +10533,7 @@
           <a:bodyPr/>
           <a:lstStyle/>
           <a:p>
-            <a:endParaRPr dirty="0"/>
+            <a:endParaRPr sz="1800" dirty="0"/>
           </a:p>
         </p:txBody>
       </p:sp>
@@ -10545,7 +10545,7 @@
         </p:nvSpPr>
         <p:spPr>
           <a:xfrm flipH="1">
-            <a:off x="10933515" y="9913665"/>
+            <a:off x="10956665" y="9913665"/>
             <a:ext cx="1191813" cy="0"/>
           </a:xfrm>
           <a:prstGeom prst="line">
@@ -10574,7 +10574,7 @@
                 <a:sym typeface="Helvetica Neue Medium"/>
               </a:defRPr>
             </a:pPr>
-            <a:endParaRPr dirty="0"/>
+            <a:endParaRPr sz="1800" dirty="0"/>
           </a:p>
         </p:txBody>
       </p:sp>
@@ -10586,8 +10586,8 @@
         </p:nvSpPr>
         <p:spPr>
           <a:xfrm flipH="1">
-            <a:off x="10943759" y="9238103"/>
-            <a:ext cx="1205832" cy="456692"/>
+            <a:off x="10961088" y="9238103"/>
+            <a:ext cx="1176927" cy="473696"/>
           </a:xfrm>
           <a:prstGeom prst="line">
             <a:avLst/>
@@ -10615,7 +10615,7 @@
                 <a:sym typeface="Helvetica Neue Medium"/>
               </a:defRPr>
             </a:pPr>
-            <a:endParaRPr dirty="0"/>
+            <a:endParaRPr sz="1800" dirty="0"/>
           </a:p>
         </p:txBody>
       </p:sp>
@@ -10627,7 +10627,7 @@
         </p:nvSpPr>
         <p:spPr>
           <a:xfrm>
-            <a:off x="2895600" y="3456940"/>
+            <a:off x="2872450" y="3456940"/>
             <a:ext cx="2938781" cy="6322060"/>
           </a:xfrm>
           <a:custGeom>
@@ -10689,7 +10689,7 @@
         </p:nvSpPr>
         <p:spPr>
           <a:xfrm flipH="1">
-            <a:off x="2889575" y="9777956"/>
+            <a:off x="2878000" y="9777956"/>
             <a:ext cx="1155913" cy="1"/>
           </a:xfrm>
           <a:prstGeom prst="line">
@@ -10761,7 +10761,7 @@
                 <a:sym typeface="Helvetica Neue Medium"/>
               </a:defRPr>
             </a:pPr>
-            <a:endParaRPr dirty="0"/>
+            <a:endParaRPr sz="1400" dirty="0"/>
           </a:p>
         </p:txBody>
       </p:sp>
@@ -10808,7 +10808,7 @@
                 <a:sym typeface="Helvetica Neue Medium"/>
               </a:defRPr>
             </a:pPr>
-            <a:endParaRPr dirty="0"/>
+            <a:endParaRPr sz="1400" dirty="0"/>
           </a:p>
         </p:txBody>
       </p:sp>
@@ -10820,7 +10820,7 @@
         </p:nvSpPr>
         <p:spPr>
           <a:xfrm>
-            <a:off x="4791396" y="12376740"/>
+            <a:off x="4930292" y="12376740"/>
             <a:ext cx="889001" cy="190501"/>
           </a:xfrm>
           <a:prstGeom prst="roundRect">
@@ -10855,7 +10855,7 @@
                 <a:sym typeface="Helvetica Neue Medium"/>
               </a:defRPr>
             </a:pPr>
-            <a:endParaRPr dirty="0"/>
+            <a:endParaRPr sz="1400" dirty="0"/>
           </a:p>
         </p:txBody>
       </p:sp>
@@ -10867,7 +10867,7 @@
         </p:nvSpPr>
         <p:spPr>
           <a:xfrm>
-            <a:off x="3028206" y="12376740"/>
+            <a:off x="3167102" y="12376740"/>
             <a:ext cx="889001" cy="190501"/>
           </a:xfrm>
           <a:prstGeom prst="roundRect">
@@ -10902,7 +10902,7 @@
                 <a:sym typeface="Helvetica Neue Medium"/>
               </a:defRPr>
             </a:pPr>
-            <a:endParaRPr dirty="0"/>
+            <a:endParaRPr sz="1400" dirty="0"/>
           </a:p>
         </p:txBody>
       </p:sp>
@@ -10914,8 +10914,8 @@
         </p:nvSpPr>
         <p:spPr>
           <a:xfrm>
-            <a:off x="1360482" y="12321786"/>
-            <a:ext cx="1564974" cy="300410"/>
+            <a:off x="1322367" y="12300212"/>
+            <a:ext cx="1803254" cy="343559"/>
           </a:xfrm>
           <a:prstGeom prst="rect">
             <a:avLst/>
@@ -10940,7 +10940,7 @@
           </a:lstStyle>
           <a:p>
             <a:r>
-              <a:rPr dirty="0"/>
+              <a:rPr sz="1400" dirty="0"/>
               <a:t>Intermediate variable</a:t>
             </a:r>
           </a:p>
@@ -10954,8 +10954,8 @@
         </p:nvSpPr>
         <p:spPr>
           <a:xfrm>
-            <a:off x="3923934" y="12322378"/>
-            <a:ext cx="746434" cy="300410"/>
+            <a:off x="4016123" y="12300804"/>
+            <a:ext cx="839849" cy="343559"/>
           </a:xfrm>
           <a:prstGeom prst="rect">
             <a:avLst/>
@@ -10980,7 +10980,7 @@
           </a:lstStyle>
           <a:p>
             <a:r>
-              <a:rPr dirty="0"/>
+              <a:rPr sz="1400" dirty="0"/>
               <a:t>Operator</a:t>
             </a:r>
           </a:p>
@@ -10994,8 +10994,8 @@
         </p:nvSpPr>
         <p:spPr>
           <a:xfrm>
-            <a:off x="5684417" y="12321786"/>
-            <a:ext cx="760607" cy="300410"/>
+            <a:off x="5774876" y="12300212"/>
+            <a:ext cx="857482" cy="343559"/>
           </a:xfrm>
           <a:prstGeom prst="rect">
             <a:avLst/>
@@ -11020,7 +11020,7 @@
           </a:lstStyle>
           <a:p>
             <a:r>
-              <a:rPr dirty="0"/>
+              <a:rPr sz="1400" dirty="0"/>
               <a:t>Constant</a:t>
             </a:r>
           </a:p>
@@ -11149,7 +11149,7 @@
                 <a:sym typeface="Helvetica Neue Medium"/>
               </a:defRPr>
             </a:pPr>
-            <a:endParaRPr dirty="0"/>
+            <a:endParaRPr sz="1800" dirty="0"/>
           </a:p>
         </p:txBody>
       </p:sp>
@@ -11196,7 +11196,7 @@
                 <a:sym typeface="Helvetica Neue Medium"/>
               </a:defRPr>
             </a:pPr>
-            <a:endParaRPr dirty="0"/>
+            <a:endParaRPr sz="1800" dirty="0"/>
           </a:p>
         </p:txBody>
       </p:sp>
@@ -11243,7 +11243,7 @@
                 <a:sym typeface="Helvetica Neue Medium"/>
               </a:defRPr>
             </a:pPr>
-            <a:endParaRPr dirty="0"/>
+            <a:endParaRPr sz="1800" dirty="0"/>
           </a:p>
         </p:txBody>
       </p:sp>
@@ -11639,7 +11639,7 @@
         </p:nvSpPr>
         <p:spPr>
           <a:xfrm flipH="1">
-            <a:off x="2852143" y="2178513"/>
+            <a:off x="2863718" y="2178513"/>
             <a:ext cx="615388" cy="0"/>
           </a:xfrm>
           <a:prstGeom prst="line">
